--- a/Extra/Intro les Borduren voor begeleiders v0.1.pptx
+++ b/Extra/Intro les Borduren voor begeleiders v0.1.pptx
@@ -3971,7 +3971,7 @@
             <a:pPr lvl="1"/>
             <a:r>
               <a:rPr lang="nl-NL" dirty="0"/>
-              <a:t>Voor het geval je het nog moet aanpassen: neem ook het ontwerp mee als .MPX file</a:t>
+              <a:t>Voor het geval je het nog moet aanpassen: neem ook het ontwerp mee als .XLM file</a:t>
             </a:r>
           </a:p>
           <a:p>
